--- a/Physical_Computing/Documents/Physical Computing_conception.pptx
+++ b/Physical_Computing/Documents/Physical Computing_conception.pptx
@@ -111,7 +111,216 @@
       </a:defRPr>
     </a:lvl9pPr>
   </p:defaultTextStyle>
+  <p:extLst>
+    <p:ext uri="{EFAFB233-063F-42B5-8137-9DF3F51BA10A}">
+      <p15:sldGuideLst xmlns:p15="http://schemas.microsoft.com/office/powerpoint/2012/main"/>
+    </p:ext>
+  </p:extLst>
 </p:presentation>
+</file>
+
+<file path=ppt/revisionInfo.xml><?xml version="1.0" encoding="utf-8"?>
+<p1510:revInfo xmlns:a="http://schemas.openxmlformats.org/drawingml/2006/main" xmlns:r="http://schemas.openxmlformats.org/officeDocument/2006/relationships" xmlns:p1510="http://schemas.microsoft.com/office/powerpoint/2015/10/main">
+  <p1510:revLst>
+    <p1510:client id="{2F5846AA-4389-41E6-AA7E-8749FB9367AB}" v="17" dt="2023-06-13T17:38:35.760"/>
+  </p1510:revLst>
+</p1510:revInfo>
+</file>
+
+<file path=ppt/changesInfos/changesInfo1.xml><?xml version="1.0" encoding="utf-8"?>
+<pc:chgInfo xmlns:a="http://schemas.openxmlformats.org/drawingml/2006/main" xmlns:r="http://schemas.openxmlformats.org/officeDocument/2006/relationships" xmlns:ac="http://schemas.microsoft.com/office/drawing/2013/main/command" xmlns:pc="http://schemas.microsoft.com/office/powerpoint/2013/main/command">
+  <pc:docChgLst>
+    <pc:chgData name="교원 김" userId="22c46b319e4c0415" providerId="LiveId" clId="{2F5846AA-4389-41E6-AA7E-8749FB9367AB}"/>
+    <pc:docChg chg="undo custSel modSld">
+      <pc:chgData name="교원 김" userId="22c46b319e4c0415" providerId="LiveId" clId="{2F5846AA-4389-41E6-AA7E-8749FB9367AB}" dt="2023-06-14T05:36:04.379" v="462" actId="20577"/>
+      <pc:docMkLst>
+        <pc:docMk/>
+      </pc:docMkLst>
+      <pc:sldChg chg="addSp delSp modSp mod">
+        <pc:chgData name="교원 김" userId="22c46b319e4c0415" providerId="LiveId" clId="{2F5846AA-4389-41E6-AA7E-8749FB9367AB}" dt="2023-06-13T17:40:11.235" v="275" actId="1076"/>
+        <pc:sldMkLst>
+          <pc:docMk/>
+          <pc:sldMk cId="1574419775" sldId="257"/>
+        </pc:sldMkLst>
+        <pc:spChg chg="add mod">
+          <ac:chgData name="교원 김" userId="22c46b319e4c0415" providerId="LiveId" clId="{2F5846AA-4389-41E6-AA7E-8749FB9367AB}" dt="2023-06-13T17:39:37.683" v="267" actId="1076"/>
+          <ac:spMkLst>
+            <pc:docMk/>
+            <pc:sldMk cId="1574419775" sldId="257"/>
+            <ac:spMk id="2" creationId="{611D0A94-EC2F-D807-AAE8-BD68CA3516D2}"/>
+          </ac:spMkLst>
+        </pc:spChg>
+        <pc:spChg chg="del">
+          <ac:chgData name="교원 김" userId="22c46b319e4c0415" providerId="LiveId" clId="{2F5846AA-4389-41E6-AA7E-8749FB9367AB}" dt="2023-06-13T17:32:28.102" v="33" actId="22"/>
+          <ac:spMkLst>
+            <pc:docMk/>
+            <pc:sldMk cId="1574419775" sldId="257"/>
+            <ac:spMk id="3" creationId="{2BA18534-573E-33D5-1C8E-A3BC036F78B9}"/>
+          </ac:spMkLst>
+        </pc:spChg>
+        <pc:spChg chg="add mod">
+          <ac:chgData name="교원 김" userId="22c46b319e4c0415" providerId="LiveId" clId="{2F5846AA-4389-41E6-AA7E-8749FB9367AB}" dt="2023-06-13T17:34:09.069" v="117" actId="113"/>
+          <ac:spMkLst>
+            <pc:docMk/>
+            <pc:sldMk cId="1574419775" sldId="257"/>
+            <ac:spMk id="6" creationId="{077D2CBC-83AD-849D-D3A4-E2FEB010FB58}"/>
+          </ac:spMkLst>
+        </pc:spChg>
+        <pc:spChg chg="mod">
+          <ac:chgData name="교원 김" userId="22c46b319e4c0415" providerId="LiveId" clId="{2F5846AA-4389-41E6-AA7E-8749FB9367AB}" dt="2023-06-13T17:36:07.851" v="224" actId="20577"/>
+          <ac:spMkLst>
+            <pc:docMk/>
+            <pc:sldMk cId="1574419775" sldId="257"/>
+            <ac:spMk id="9" creationId="{B112D299-4F14-CC08-E9C7-71FB470DFC98}"/>
+          </ac:spMkLst>
+        </pc:spChg>
+        <pc:spChg chg="add del mod">
+          <ac:chgData name="교원 김" userId="22c46b319e4c0415" providerId="LiveId" clId="{2F5846AA-4389-41E6-AA7E-8749FB9367AB}" dt="2023-06-13T17:33:53.420" v="112"/>
+          <ac:spMkLst>
+            <pc:docMk/>
+            <pc:sldMk cId="1574419775" sldId="257"/>
+            <ac:spMk id="11" creationId="{0BBB2898-C9C1-88F1-0C9B-17955FAE07D5}"/>
+          </ac:spMkLst>
+        </pc:spChg>
+        <pc:spChg chg="add mod">
+          <ac:chgData name="교원 김" userId="22c46b319e4c0415" providerId="LiveId" clId="{2F5846AA-4389-41E6-AA7E-8749FB9367AB}" dt="2023-06-13T17:34:30.461" v="155" actId="1076"/>
+          <ac:spMkLst>
+            <pc:docMk/>
+            <pc:sldMk cId="1574419775" sldId="257"/>
+            <ac:spMk id="13" creationId="{2442AA62-A5D1-4A67-29A5-11B4023AA74A}"/>
+          </ac:spMkLst>
+        </pc:spChg>
+        <pc:spChg chg="add del mod">
+          <ac:chgData name="교원 김" userId="22c46b319e4c0415" providerId="LiveId" clId="{2F5846AA-4389-41E6-AA7E-8749FB9367AB}" dt="2023-06-13T17:34:39.499" v="160"/>
+          <ac:spMkLst>
+            <pc:docMk/>
+            <pc:sldMk cId="1574419775" sldId="257"/>
+            <ac:spMk id="14" creationId="{36DA0816-09F1-7388-B767-C5B5C79963AF}"/>
+          </ac:spMkLst>
+        </pc:spChg>
+        <pc:spChg chg="add mod">
+          <ac:chgData name="교원 김" userId="22c46b319e4c0415" providerId="LiveId" clId="{2F5846AA-4389-41E6-AA7E-8749FB9367AB}" dt="2023-06-13T17:39:37.683" v="267" actId="1076"/>
+          <ac:spMkLst>
+            <pc:docMk/>
+            <pc:sldMk cId="1574419775" sldId="257"/>
+            <ac:spMk id="15" creationId="{B0C64AA6-580A-95F6-B206-1A3E38AF09E3}"/>
+          </ac:spMkLst>
+        </pc:spChg>
+        <pc:spChg chg="add mod">
+          <ac:chgData name="교원 김" userId="22c46b319e4c0415" providerId="LiveId" clId="{2F5846AA-4389-41E6-AA7E-8749FB9367AB}" dt="2023-06-13T17:39:37.683" v="267" actId="1076"/>
+          <ac:spMkLst>
+            <pc:docMk/>
+            <pc:sldMk cId="1574419775" sldId="257"/>
+            <ac:spMk id="16" creationId="{6E38CB67-ADB4-8463-C92E-AA855C9EF65C}"/>
+          </ac:spMkLst>
+        </pc:spChg>
+        <pc:spChg chg="add del mod">
+          <ac:chgData name="교원 김" userId="22c46b319e4c0415" providerId="LiveId" clId="{2F5846AA-4389-41E6-AA7E-8749FB9367AB}" dt="2023-06-13T17:37:10.978" v="245" actId="478"/>
+          <ac:spMkLst>
+            <pc:docMk/>
+            <pc:sldMk cId="1574419775" sldId="257"/>
+            <ac:spMk id="21" creationId="{D31F6949-B03F-F4FF-4E47-100D4817C96B}"/>
+          </ac:spMkLst>
+        </pc:spChg>
+        <pc:spChg chg="add del mod">
+          <ac:chgData name="교원 김" userId="22c46b319e4c0415" providerId="LiveId" clId="{2F5846AA-4389-41E6-AA7E-8749FB9367AB}" dt="2023-06-13T17:40:11.235" v="275" actId="1076"/>
+          <ac:spMkLst>
+            <pc:docMk/>
+            <pc:sldMk cId="1574419775" sldId="257"/>
+            <ac:spMk id="30" creationId="{1CE6F3B0-3369-BF60-CDD5-7B94098E5220}"/>
+          </ac:spMkLst>
+        </pc:spChg>
+        <pc:picChg chg="add mod ord">
+          <ac:chgData name="교원 김" userId="22c46b319e4c0415" providerId="LiveId" clId="{2F5846AA-4389-41E6-AA7E-8749FB9367AB}" dt="2023-06-13T17:32:36.352" v="37" actId="1076"/>
+          <ac:picMkLst>
+            <pc:docMk/>
+            <pc:sldMk cId="1574419775" sldId="257"/>
+            <ac:picMk id="5" creationId="{B9A151BC-A6E9-B809-5A6A-AA7FD00AD068}"/>
+          </ac:picMkLst>
+        </pc:picChg>
+        <pc:picChg chg="add mod">
+          <ac:chgData name="교원 김" userId="22c46b319e4c0415" providerId="LiveId" clId="{2F5846AA-4389-41E6-AA7E-8749FB9367AB}" dt="2023-06-13T17:33:45.876" v="109" actId="1076"/>
+          <ac:picMkLst>
+            <pc:docMk/>
+            <pc:sldMk cId="1574419775" sldId="257"/>
+            <ac:picMk id="8" creationId="{65D14FF7-05E8-5BF0-809F-82ECE25EDEC5}"/>
+          </ac:picMkLst>
+        </pc:picChg>
+        <pc:cxnChg chg="add mod">
+          <ac:chgData name="교원 김" userId="22c46b319e4c0415" providerId="LiveId" clId="{2F5846AA-4389-41E6-AA7E-8749FB9367AB}" dt="2023-06-13T17:35:10.830" v="173" actId="692"/>
+          <ac:cxnSpMkLst>
+            <pc:docMk/>
+            <pc:sldMk cId="1574419775" sldId="257"/>
+            <ac:cxnSpMk id="18" creationId="{012F818A-51EA-24C0-2F2E-F95C42C84468}"/>
+          </ac:cxnSpMkLst>
+        </pc:cxnChg>
+        <pc:cxnChg chg="add del mod">
+          <ac:chgData name="교원 김" userId="22c46b319e4c0415" providerId="LiveId" clId="{2F5846AA-4389-41E6-AA7E-8749FB9367AB}" dt="2023-06-13T17:35:14.920" v="175"/>
+          <ac:cxnSpMkLst>
+            <pc:docMk/>
+            <pc:sldMk cId="1574419775" sldId="257"/>
+            <ac:cxnSpMk id="19" creationId="{5BFB7913-7D83-7AAC-C97C-1A2622522FF2}"/>
+          </ac:cxnSpMkLst>
+        </pc:cxnChg>
+        <pc:cxnChg chg="add mod">
+          <ac:chgData name="교원 김" userId="22c46b319e4c0415" providerId="LiveId" clId="{2F5846AA-4389-41E6-AA7E-8749FB9367AB}" dt="2023-06-13T17:40:00.428" v="271" actId="14100"/>
+          <ac:cxnSpMkLst>
+            <pc:docMk/>
+            <pc:sldMk cId="1574419775" sldId="257"/>
+            <ac:cxnSpMk id="20" creationId="{BAA24E63-E938-AB83-406A-D5BE11146D74}"/>
+          </ac:cxnSpMkLst>
+        </pc:cxnChg>
+        <pc:cxnChg chg="add mod">
+          <ac:chgData name="교원 김" userId="22c46b319e4c0415" providerId="LiveId" clId="{2F5846AA-4389-41E6-AA7E-8749FB9367AB}" dt="2023-06-13T17:39:28.014" v="265" actId="1076"/>
+          <ac:cxnSpMkLst>
+            <pc:docMk/>
+            <pc:sldMk cId="1574419775" sldId="257"/>
+            <ac:cxnSpMk id="22" creationId="{8936903A-0DB8-9B79-69A9-BC1617628D0E}"/>
+          </ac:cxnSpMkLst>
+        </pc:cxnChg>
+        <pc:cxnChg chg="add del mod">
+          <ac:chgData name="교원 김" userId="22c46b319e4c0415" providerId="LiveId" clId="{2F5846AA-4389-41E6-AA7E-8749FB9367AB}" dt="2023-06-13T17:38:29.594" v="259"/>
+          <ac:cxnSpMkLst>
+            <pc:docMk/>
+            <pc:sldMk cId="1574419775" sldId="257"/>
+            <ac:cxnSpMk id="26" creationId="{68A24901-21A1-B4FA-9A0C-4964532B744E}"/>
+          </ac:cxnSpMkLst>
+        </pc:cxnChg>
+        <pc:cxnChg chg="add mod">
+          <ac:chgData name="교원 김" userId="22c46b319e4c0415" providerId="LiveId" clId="{2F5846AA-4389-41E6-AA7E-8749FB9367AB}" dt="2023-06-13T17:39:33.573" v="266" actId="14100"/>
+          <ac:cxnSpMkLst>
+            <pc:docMk/>
+            <pc:sldMk cId="1574419775" sldId="257"/>
+            <ac:cxnSpMk id="28" creationId="{5AE8CC79-5005-D0B3-C30A-6F24E2057BAC}"/>
+          </ac:cxnSpMkLst>
+        </pc:cxnChg>
+      </pc:sldChg>
+      <pc:sldChg chg="modSp mod">
+        <pc:chgData name="교원 김" userId="22c46b319e4c0415" providerId="LiveId" clId="{2F5846AA-4389-41E6-AA7E-8749FB9367AB}" dt="2023-06-14T05:36:04.379" v="462" actId="20577"/>
+        <pc:sldMkLst>
+          <pc:docMk/>
+          <pc:sldMk cId="2695076482" sldId="258"/>
+        </pc:sldMkLst>
+        <pc:spChg chg="mod">
+          <ac:chgData name="교원 김" userId="22c46b319e4c0415" providerId="LiveId" clId="{2F5846AA-4389-41E6-AA7E-8749FB9367AB}" dt="2023-06-14T05:36:04.379" v="462" actId="20577"/>
+          <ac:spMkLst>
+            <pc:docMk/>
+            <pc:sldMk cId="2695076482" sldId="258"/>
+            <ac:spMk id="3" creationId="{2BA18534-573E-33D5-1C8E-A3BC036F78B9}"/>
+          </ac:spMkLst>
+        </pc:spChg>
+        <pc:spChg chg="mod">
+          <ac:chgData name="교원 김" userId="22c46b319e4c0415" providerId="LiveId" clId="{2F5846AA-4389-41E6-AA7E-8749FB9367AB}" dt="2023-06-14T05:35:41.596" v="327" actId="20577"/>
+          <ac:spMkLst>
+            <pc:docMk/>
+            <pc:sldMk cId="2695076482" sldId="258"/>
+            <ac:spMk id="9" creationId="{B112D299-4F14-CC08-E9C7-71FB470DFC98}"/>
+          </ac:spMkLst>
+        </pc:spChg>
+      </pc:sldChg>
+    </pc:docChg>
+  </pc:docChgLst>
+</pc:chgInfo>
 </file>
 
 <file path=ppt/slideLayouts/slideLayout1.xml><?xml version="1.0" encoding="utf-8"?>
@@ -3467,36 +3676,35 @@
           <a:chExt cx="0" cy="0"/>
         </a:xfrm>
       </p:grpSpPr>
-      <p:sp>
-        <p:nvSpPr>
-          <p:cNvPr id="3" name="내용 개체 틀 2">
-            <a:extLst>
-              <a:ext uri="{FF2B5EF4-FFF2-40B4-BE49-F238E27FC236}">
-                <a16:creationId xmlns:a16="http://schemas.microsoft.com/office/drawing/2014/main" id="{2BA18534-573E-33D5-1C8E-A3BC036F78B9}"/>
-              </a:ext>
-            </a:extLst>
-          </p:cNvPr>
-          <p:cNvSpPr>
-            <a:spLocks noGrp="1"/>
-          </p:cNvSpPr>
+      <p:pic>
+        <p:nvPicPr>
+          <p:cNvPr id="5" name="내용 개체 틀 4">
+            <a:extLst>
+              <a:ext uri="{FF2B5EF4-FFF2-40B4-BE49-F238E27FC236}">
+                <a16:creationId xmlns:a16="http://schemas.microsoft.com/office/drawing/2014/main" id="{B9A151BC-A6E9-B809-5A6A-AA7FD00AD068}"/>
+              </a:ext>
+            </a:extLst>
+          </p:cNvPr>
+          <p:cNvPicPr>
+            <a:picLocks noGrp="1" noChangeAspect="1"/>
+          </p:cNvPicPr>
           <p:nvPr>
             <p:ph idx="1"/>
           </p:nvPr>
-        </p:nvSpPr>
-        <p:spPr>
-          <a:xfrm>
-            <a:off x="838200" y="973184"/>
-            <a:ext cx="10515600" cy="5203779"/>
-          </a:xfrm>
-        </p:spPr>
-        <p:txBody>
-          <a:bodyPr/>
-          <a:lstStyle/>
-          <a:p>
-            <a:endParaRPr lang="ko-KR" altLang="en-US" dirty="0"/>
-          </a:p>
-        </p:txBody>
-      </p:sp>
+        </p:nvPicPr>
+        <p:blipFill>
+          <a:blip r:embed="rId2"/>
+          <a:stretch>
+            <a:fillRect/>
+          </a:stretch>
+        </p:blipFill>
+        <p:spPr>
+          <a:xfrm>
+            <a:off x="5144953" y="2605488"/>
+            <a:ext cx="1902093" cy="1647023"/>
+          </a:xfrm>
+        </p:spPr>
+      </p:pic>
       <p:cxnSp>
         <p:nvCxnSpPr>
           <p:cNvPr id="7" name="직선 연결선 6">
@@ -3565,9 +3773,10 @@
           <a:lstStyle/>
           <a:p>
             <a:r>
-              <a:rPr lang="ko-KR" altLang="en-US" sz="2000" dirty="0"/>
-              <a:t>제목</a:t>
-            </a:r>
+              <a:rPr lang="en-US" altLang="ko-KR" sz="2000" dirty="0"/>
+              <a:t>Simple Diagram (Communication)</a:t>
+            </a:r>
+            <a:endParaRPr lang="ko-KR" altLang="en-US" sz="2000" dirty="0"/>
           </a:p>
         </p:txBody>
       </p:sp>
@@ -3649,6 +3858,495 @@
               <a:latin typeface="Aharoni" panose="02010803020104030203" pitchFamily="2" charset="-79"/>
               <a:cs typeface="Aharoni" panose="02010803020104030203" pitchFamily="2" charset="-79"/>
             </a:endParaRPr>
+          </a:p>
+        </p:txBody>
+      </p:sp>
+      <p:sp>
+        <p:nvSpPr>
+          <p:cNvPr id="2" name="직사각형 1">
+            <a:extLst>
+              <a:ext uri="{FF2B5EF4-FFF2-40B4-BE49-F238E27FC236}">
+                <a16:creationId xmlns:a16="http://schemas.microsoft.com/office/drawing/2014/main" id="{611D0A94-EC2F-D807-AAE8-BD68CA3516D2}"/>
+              </a:ext>
+            </a:extLst>
+          </p:cNvPr>
+          <p:cNvSpPr/>
+          <p:nvPr/>
+        </p:nvSpPr>
+        <p:spPr>
+          <a:xfrm>
+            <a:off x="9187544" y="1768403"/>
+            <a:ext cx="1757548" cy="1023660"/>
+          </a:xfrm>
+          <a:prstGeom prst="rect">
+            <a:avLst/>
+          </a:prstGeom>
+          <a:solidFill>
+            <a:srgbClr val="002060"/>
+          </a:solidFill>
+        </p:spPr>
+        <p:style>
+          <a:lnRef idx="2">
+            <a:schemeClr val="accent1">
+              <a:shade val="50000"/>
+            </a:schemeClr>
+          </a:lnRef>
+          <a:fillRef idx="1">
+            <a:schemeClr val="accent1"/>
+          </a:fillRef>
+          <a:effectRef idx="0">
+            <a:schemeClr val="accent1"/>
+          </a:effectRef>
+          <a:fontRef idx="minor">
+            <a:schemeClr val="lt1"/>
+          </a:fontRef>
+        </p:style>
+        <p:txBody>
+          <a:bodyPr rtlCol="0" anchor="ctr"/>
+          <a:lstStyle/>
+          <a:p>
+            <a:pPr algn="ctr"/>
+            <a:r>
+              <a:rPr lang="en-US" altLang="ko-KR" dirty="0"/>
+              <a:t>Mobile</a:t>
+            </a:r>
+            <a:endParaRPr lang="ko-KR" altLang="en-US" dirty="0"/>
+          </a:p>
+        </p:txBody>
+      </p:sp>
+      <p:sp>
+        <p:nvSpPr>
+          <p:cNvPr id="6" name="TextBox 5">
+            <a:extLst>
+              <a:ext uri="{FF2B5EF4-FFF2-40B4-BE49-F238E27FC236}">
+                <a16:creationId xmlns:a16="http://schemas.microsoft.com/office/drawing/2014/main" id="{077D2CBC-83AD-849D-D3A4-E2FEB010FB58}"/>
+              </a:ext>
+            </a:extLst>
+          </p:cNvPr>
+          <p:cNvSpPr txBox="1"/>
+          <p:nvPr/>
+        </p:nvSpPr>
+        <p:spPr>
+          <a:xfrm>
+            <a:off x="4500748" y="4545872"/>
+            <a:ext cx="3185167" cy="523220"/>
+          </a:xfrm>
+          <a:prstGeom prst="rect">
+            <a:avLst/>
+          </a:prstGeom>
+          <a:noFill/>
+        </p:spPr>
+        <p:txBody>
+          <a:bodyPr wrap="none" rtlCol="0">
+            <a:spAutoFit/>
+          </a:bodyPr>
+          <a:lstStyle/>
+          <a:p>
+            <a:r>
+              <a:rPr lang="en-US" altLang="ko-KR" sz="1400" b="1" dirty="0"/>
+              <a:t>ESP8266 / Server</a:t>
+            </a:r>
+          </a:p>
+          <a:p>
+            <a:r>
+              <a:rPr lang="en-US" altLang="ko-KR" sz="1400" b="1" dirty="0" err="1"/>
+              <a:t>Wifi</a:t>
+            </a:r>
+            <a:r>
+              <a:rPr lang="en-US" altLang="ko-KR" sz="1400" b="1" dirty="0"/>
+              <a:t> Access Point Mode (AT mode)</a:t>
+            </a:r>
+            <a:endParaRPr lang="ko-KR" altLang="en-US" sz="1400" b="1" dirty="0"/>
+          </a:p>
+        </p:txBody>
+      </p:sp>
+      <p:pic>
+        <p:nvPicPr>
+          <p:cNvPr id="8" name="내용 개체 틀 4">
+            <a:extLst>
+              <a:ext uri="{FF2B5EF4-FFF2-40B4-BE49-F238E27FC236}">
+                <a16:creationId xmlns:a16="http://schemas.microsoft.com/office/drawing/2014/main" id="{65D14FF7-05E8-5BF0-809F-82ECE25EDEC5}"/>
+              </a:ext>
+            </a:extLst>
+          </p:cNvPr>
+          <p:cNvPicPr>
+            <a:picLocks noChangeAspect="1"/>
+          </p:cNvPicPr>
+          <p:nvPr/>
+        </p:nvPicPr>
+        <p:blipFill>
+          <a:blip r:embed="rId2"/>
+          <a:stretch>
+            <a:fillRect/>
+          </a:stretch>
+        </p:blipFill>
+        <p:spPr>
+          <a:xfrm>
+            <a:off x="1102362" y="2605488"/>
+            <a:ext cx="1902093" cy="1647023"/>
+          </a:xfrm>
+          <a:prstGeom prst="rect">
+            <a:avLst/>
+          </a:prstGeom>
+        </p:spPr>
+      </p:pic>
+      <p:sp>
+        <p:nvSpPr>
+          <p:cNvPr id="13" name="TextBox 12">
+            <a:extLst>
+              <a:ext uri="{FF2B5EF4-FFF2-40B4-BE49-F238E27FC236}">
+                <a16:creationId xmlns:a16="http://schemas.microsoft.com/office/drawing/2014/main" id="{2442AA62-A5D1-4A67-29A5-11B4023AA74A}"/>
+              </a:ext>
+            </a:extLst>
+          </p:cNvPr>
+          <p:cNvSpPr txBox="1"/>
+          <p:nvPr/>
+        </p:nvSpPr>
+        <p:spPr>
+          <a:xfrm>
+            <a:off x="1176501" y="4534469"/>
+            <a:ext cx="1753813" cy="523220"/>
+          </a:xfrm>
+          <a:prstGeom prst="rect">
+            <a:avLst/>
+          </a:prstGeom>
+          <a:noFill/>
+        </p:spPr>
+        <p:txBody>
+          <a:bodyPr wrap="none" rtlCol="0">
+            <a:spAutoFit/>
+          </a:bodyPr>
+          <a:lstStyle/>
+          <a:p>
+            <a:r>
+              <a:rPr lang="en-US" altLang="ko-KR" sz="1400" b="1" dirty="0"/>
+              <a:t>ESP8266 / Client</a:t>
+            </a:r>
+          </a:p>
+          <a:p>
+            <a:r>
+              <a:rPr lang="en-US" altLang="ko-KR" sz="1400" b="1" dirty="0" err="1"/>
+              <a:t>Wifi</a:t>
+            </a:r>
+            <a:r>
+              <a:rPr lang="en-US" altLang="ko-KR" sz="1400" b="1" dirty="0"/>
+              <a:t> Station Mode</a:t>
+            </a:r>
+          </a:p>
+        </p:txBody>
+      </p:sp>
+      <p:sp>
+        <p:nvSpPr>
+          <p:cNvPr id="15" name="직사각형 14">
+            <a:extLst>
+              <a:ext uri="{FF2B5EF4-FFF2-40B4-BE49-F238E27FC236}">
+                <a16:creationId xmlns:a16="http://schemas.microsoft.com/office/drawing/2014/main" id="{B0C64AA6-580A-95F6-B206-1A3E38AF09E3}"/>
+              </a:ext>
+            </a:extLst>
+          </p:cNvPr>
+          <p:cNvSpPr/>
+          <p:nvPr/>
+        </p:nvSpPr>
+        <p:spPr>
+          <a:xfrm>
+            <a:off x="9187544" y="2976034"/>
+            <a:ext cx="1757548" cy="1023660"/>
+          </a:xfrm>
+          <a:prstGeom prst="rect">
+            <a:avLst/>
+          </a:prstGeom>
+        </p:spPr>
+        <p:style>
+          <a:lnRef idx="2">
+            <a:schemeClr val="accent1">
+              <a:shade val="50000"/>
+            </a:schemeClr>
+          </a:lnRef>
+          <a:fillRef idx="1">
+            <a:schemeClr val="accent1"/>
+          </a:fillRef>
+          <a:effectRef idx="0">
+            <a:schemeClr val="accent1"/>
+          </a:effectRef>
+          <a:fontRef idx="minor">
+            <a:schemeClr val="lt1"/>
+          </a:fontRef>
+        </p:style>
+        <p:txBody>
+          <a:bodyPr rtlCol="0" anchor="ctr"/>
+          <a:lstStyle/>
+          <a:p>
+            <a:pPr algn="ctr"/>
+            <a:r>
+              <a:rPr lang="en-US" altLang="ko-KR" dirty="0"/>
+              <a:t>Tablet</a:t>
+            </a:r>
+            <a:endParaRPr lang="ko-KR" altLang="en-US" dirty="0"/>
+          </a:p>
+        </p:txBody>
+      </p:sp>
+      <p:sp>
+        <p:nvSpPr>
+          <p:cNvPr id="16" name="직사각형 15">
+            <a:extLst>
+              <a:ext uri="{FF2B5EF4-FFF2-40B4-BE49-F238E27FC236}">
+                <a16:creationId xmlns:a16="http://schemas.microsoft.com/office/drawing/2014/main" id="{6E38CB67-ADB4-8463-C92E-AA855C9EF65C}"/>
+              </a:ext>
+            </a:extLst>
+          </p:cNvPr>
+          <p:cNvSpPr/>
+          <p:nvPr/>
+        </p:nvSpPr>
+        <p:spPr>
+          <a:xfrm>
+            <a:off x="9187544" y="4148063"/>
+            <a:ext cx="1757548" cy="1023660"/>
+          </a:xfrm>
+          <a:prstGeom prst="rect">
+            <a:avLst/>
+          </a:prstGeom>
+          <a:solidFill>
+            <a:srgbClr val="92D050"/>
+          </a:solidFill>
+        </p:spPr>
+        <p:style>
+          <a:lnRef idx="2">
+            <a:schemeClr val="accent1">
+              <a:shade val="50000"/>
+            </a:schemeClr>
+          </a:lnRef>
+          <a:fillRef idx="1">
+            <a:schemeClr val="accent1"/>
+          </a:fillRef>
+          <a:effectRef idx="0">
+            <a:schemeClr val="accent1"/>
+          </a:effectRef>
+          <a:fontRef idx="minor">
+            <a:schemeClr val="lt1"/>
+          </a:fontRef>
+        </p:style>
+        <p:txBody>
+          <a:bodyPr rtlCol="0" anchor="ctr"/>
+          <a:lstStyle/>
+          <a:p>
+            <a:pPr algn="ctr"/>
+            <a:r>
+              <a:rPr lang="en-US" altLang="ko-KR" dirty="0"/>
+              <a:t>PC/Laptop</a:t>
+            </a:r>
+            <a:endParaRPr lang="ko-KR" altLang="en-US" dirty="0"/>
+          </a:p>
+        </p:txBody>
+      </p:sp>
+      <p:cxnSp>
+        <p:nvCxnSpPr>
+          <p:cNvPr id="18" name="직선 화살표 연결선 17">
+            <a:extLst>
+              <a:ext uri="{FF2B5EF4-FFF2-40B4-BE49-F238E27FC236}">
+                <a16:creationId xmlns:a16="http://schemas.microsoft.com/office/drawing/2014/main" id="{012F818A-51EA-24C0-2F2E-F95C42C84468}"/>
+              </a:ext>
+            </a:extLst>
+          </p:cNvPr>
+          <p:cNvCxnSpPr/>
+          <p:nvPr/>
+        </p:nvCxnSpPr>
+        <p:spPr>
+          <a:xfrm>
+            <a:off x="3230088" y="3429000"/>
+            <a:ext cx="1270660" cy="0"/>
+          </a:xfrm>
+          <a:prstGeom prst="straightConnector1">
+            <a:avLst/>
+          </a:prstGeom>
+          <a:ln w="31750">
+            <a:headEnd type="triangle"/>
+            <a:tailEnd type="triangle"/>
+          </a:ln>
+        </p:spPr>
+        <p:style>
+          <a:lnRef idx="1">
+            <a:schemeClr val="dk1"/>
+          </a:lnRef>
+          <a:fillRef idx="0">
+            <a:schemeClr val="dk1"/>
+          </a:fillRef>
+          <a:effectRef idx="0">
+            <a:schemeClr val="dk1"/>
+          </a:effectRef>
+          <a:fontRef idx="minor">
+            <a:schemeClr val="tx1"/>
+          </a:fontRef>
+        </p:style>
+      </p:cxnSp>
+      <p:cxnSp>
+        <p:nvCxnSpPr>
+          <p:cNvPr id="20" name="직선 화살표 연결선 19">
+            <a:extLst>
+              <a:ext uri="{FF2B5EF4-FFF2-40B4-BE49-F238E27FC236}">
+                <a16:creationId xmlns:a16="http://schemas.microsoft.com/office/drawing/2014/main" id="{BAA24E63-E938-AB83-406A-D5BE11146D74}"/>
+              </a:ext>
+            </a:extLst>
+          </p:cNvPr>
+          <p:cNvCxnSpPr>
+            <a:cxnSpLocks/>
+          </p:cNvCxnSpPr>
+          <p:nvPr/>
+        </p:nvCxnSpPr>
+        <p:spPr>
+          <a:xfrm>
+            <a:off x="7110663" y="3429000"/>
+            <a:ext cx="1706766" cy="0"/>
+          </a:xfrm>
+          <a:prstGeom prst="straightConnector1">
+            <a:avLst/>
+          </a:prstGeom>
+          <a:ln w="31750">
+            <a:headEnd type="triangle"/>
+            <a:tailEnd type="triangle"/>
+          </a:ln>
+        </p:spPr>
+        <p:style>
+          <a:lnRef idx="1">
+            <a:schemeClr val="dk1"/>
+          </a:lnRef>
+          <a:fillRef idx="0">
+            <a:schemeClr val="dk1"/>
+          </a:fillRef>
+          <a:effectRef idx="0">
+            <a:schemeClr val="dk1"/>
+          </a:effectRef>
+          <a:fontRef idx="minor">
+            <a:schemeClr val="tx1"/>
+          </a:fontRef>
+        </p:style>
+      </p:cxnSp>
+      <p:cxnSp>
+        <p:nvCxnSpPr>
+          <p:cNvPr id="22" name="직선 화살표 연결선 21">
+            <a:extLst>
+              <a:ext uri="{FF2B5EF4-FFF2-40B4-BE49-F238E27FC236}">
+                <a16:creationId xmlns:a16="http://schemas.microsoft.com/office/drawing/2014/main" id="{8936903A-0DB8-9B79-69A9-BC1617628D0E}"/>
+              </a:ext>
+            </a:extLst>
+          </p:cNvPr>
+          <p:cNvCxnSpPr>
+            <a:cxnSpLocks/>
+          </p:cNvCxnSpPr>
+          <p:nvPr/>
+        </p:nvCxnSpPr>
+        <p:spPr>
+          <a:xfrm flipV="1">
+            <a:off x="7445060" y="2394679"/>
+            <a:ext cx="1381101" cy="1028451"/>
+          </a:xfrm>
+          <a:prstGeom prst="straightConnector1">
+            <a:avLst/>
+          </a:prstGeom>
+          <a:ln w="31750">
+            <a:headEnd type="triangle"/>
+            <a:tailEnd type="triangle"/>
+          </a:ln>
+        </p:spPr>
+        <p:style>
+          <a:lnRef idx="1">
+            <a:schemeClr val="dk1"/>
+          </a:lnRef>
+          <a:fillRef idx="0">
+            <a:schemeClr val="dk1"/>
+          </a:fillRef>
+          <a:effectRef idx="0">
+            <a:schemeClr val="dk1"/>
+          </a:effectRef>
+          <a:fontRef idx="minor">
+            <a:schemeClr val="tx1"/>
+          </a:fontRef>
+        </p:style>
+      </p:cxnSp>
+      <p:cxnSp>
+        <p:nvCxnSpPr>
+          <p:cNvPr id="28" name="직선 화살표 연결선 27">
+            <a:extLst>
+              <a:ext uri="{FF2B5EF4-FFF2-40B4-BE49-F238E27FC236}">
+                <a16:creationId xmlns:a16="http://schemas.microsoft.com/office/drawing/2014/main" id="{5AE8CC79-5005-D0B3-C30A-6F24E2057BAC}"/>
+              </a:ext>
+            </a:extLst>
+          </p:cNvPr>
+          <p:cNvCxnSpPr>
+            <a:cxnSpLocks/>
+          </p:cNvCxnSpPr>
+          <p:nvPr/>
+        </p:nvCxnSpPr>
+        <p:spPr>
+          <a:xfrm>
+            <a:off x="7436328" y="3425086"/>
+            <a:ext cx="1381101" cy="1252521"/>
+          </a:xfrm>
+          <a:prstGeom prst="straightConnector1">
+            <a:avLst/>
+          </a:prstGeom>
+          <a:ln w="31750">
+            <a:headEnd type="triangle"/>
+            <a:tailEnd type="triangle"/>
+          </a:ln>
+        </p:spPr>
+        <p:style>
+          <a:lnRef idx="1">
+            <a:schemeClr val="dk1"/>
+          </a:lnRef>
+          <a:fillRef idx="0">
+            <a:schemeClr val="dk1"/>
+          </a:fillRef>
+          <a:effectRef idx="0">
+            <a:schemeClr val="dk1"/>
+          </a:effectRef>
+          <a:fontRef idx="minor">
+            <a:schemeClr val="tx1"/>
+          </a:fontRef>
+        </p:style>
+      </p:cxnSp>
+      <p:sp>
+        <p:nvSpPr>
+          <p:cNvPr id="30" name="타원 29">
+            <a:extLst>
+              <a:ext uri="{FF2B5EF4-FFF2-40B4-BE49-F238E27FC236}">
+                <a16:creationId xmlns:a16="http://schemas.microsoft.com/office/drawing/2014/main" id="{1CE6F3B0-3369-BF60-CDD5-7B94098E5220}"/>
+              </a:ext>
+            </a:extLst>
+          </p:cNvPr>
+          <p:cNvSpPr/>
+          <p:nvPr/>
+        </p:nvSpPr>
+        <p:spPr>
+          <a:xfrm>
+            <a:off x="7372711" y="3341214"/>
+            <a:ext cx="210553" cy="187314"/>
+          </a:xfrm>
+          <a:prstGeom prst="ellipse">
+            <a:avLst/>
+          </a:prstGeom>
+        </p:spPr>
+        <p:style>
+          <a:lnRef idx="2">
+            <a:schemeClr val="dk1">
+              <a:shade val="50000"/>
+            </a:schemeClr>
+          </a:lnRef>
+          <a:fillRef idx="1">
+            <a:schemeClr val="dk1"/>
+          </a:fillRef>
+          <a:effectRef idx="0">
+            <a:schemeClr val="dk1"/>
+          </a:effectRef>
+          <a:fontRef idx="minor">
+            <a:schemeClr val="lt1"/>
+          </a:fontRef>
+        </p:style>
+        <p:txBody>
+          <a:bodyPr rtlCol="0" anchor="ctr"/>
+          <a:lstStyle/>
+          <a:p>
+            <a:pPr algn="ctr"/>
+            <a:endParaRPr lang="ko-KR" altLang="en-US"/>
           </a:p>
         </p:txBody>
       </p:sp>
@@ -3708,6 +4406,17 @@
           <a:bodyPr/>
           <a:lstStyle/>
           <a:p>
+            <a:r>
+              <a:rPr lang="ko-KR" altLang="en-US" dirty="0"/>
+              <a:t>최대한 이구성을 할 수 있으나 못하는 이유 설명</a:t>
+            </a:r>
+            <a:endParaRPr lang="en-US" altLang="ko-KR" dirty="0"/>
+          </a:p>
+          <a:p>
+            <a:r>
+              <a:rPr lang="ko-KR" altLang="en-US"/>
+              <a:t>추가적으로 꼭 구성한다면 </a:t>
+            </a:r>
             <a:endParaRPr lang="ko-KR" altLang="en-US" dirty="0"/>
           </a:p>
         </p:txBody>
@@ -3781,7 +4490,7 @@
           <a:p>
             <a:r>
               <a:rPr lang="ko-KR" altLang="en-US" sz="2000" dirty="0"/>
-              <a:t>제목</a:t>
+              <a:t>이 구성에서의 단점</a:t>
             </a:r>
           </a:p>
         </p:txBody>

--- a/Physical_Computing/Documents/Physical Computing_conception.pptx
+++ b/Physical_Computing/Documents/Physical Computing_conception.pptx
@@ -4606,36 +4606,34 @@
           <a:chExt cx="0" cy="0"/>
         </a:xfrm>
       </p:grpSpPr>
-      <p:sp>
-        <p:nvSpPr>
-          <p:cNvPr id="3" name="내용 개체 틀 2">
-            <a:extLst>
-              <a:ext uri="{FF2B5EF4-FFF2-40B4-BE49-F238E27FC236}">
-                <a16:creationId xmlns:a16="http://schemas.microsoft.com/office/drawing/2014/main" id="{2BA18534-573E-33D5-1C8E-A3BC036F78B9}"/>
-              </a:ext>
-            </a:extLst>
-          </p:cNvPr>
-          <p:cNvSpPr>
-            <a:spLocks noGrp="1"/>
-          </p:cNvSpPr>
+      <p:pic>
+        <p:nvPicPr>
+          <p:cNvPr id="4" name="내용 개체 틀 3">
+            <a:extLst>
+              <a:ext uri="{FF2B5EF4-FFF2-40B4-BE49-F238E27FC236}">
+                <a16:creationId xmlns:a16="http://schemas.microsoft.com/office/drawing/2014/main" id="{2E4C6C01-3D77-8AB7-0C6B-A10155047028}"/>
+              </a:ext>
+            </a:extLst>
+          </p:cNvPr>
+          <p:cNvPicPr>
+            <a:picLocks noGrp="1" noChangeAspect="1"/>
+          </p:cNvPicPr>
           <p:nvPr>
             <p:ph idx="1"/>
           </p:nvPr>
-        </p:nvSpPr>
-        <p:spPr>
-          <a:xfrm>
-            <a:off x="838200" y="973184"/>
-            <a:ext cx="10515600" cy="5203779"/>
-          </a:xfrm>
-        </p:spPr>
-        <p:txBody>
-          <a:bodyPr/>
-          <a:lstStyle/>
-          <a:p>
-            <a:endParaRPr lang="ko-KR" altLang="en-US" dirty="0"/>
-          </a:p>
-        </p:txBody>
-      </p:sp>
+        </p:nvPicPr>
+        <p:blipFill rotWithShape="1">
+          <a:blip r:embed="rId2"/>
+          <a:srcRect l="6808" t="15428" r="721" b="377"/>
+          <a:stretch/>
+        </p:blipFill>
+        <p:spPr>
+          <a:xfrm>
+            <a:off x="150922" y="1544715"/>
+            <a:ext cx="2894120" cy="1982906"/>
+          </a:xfrm>
+        </p:spPr>
+      </p:pic>
       <p:cxnSp>
         <p:nvCxnSpPr>
           <p:cNvPr id="7" name="직선 연결선 6">
@@ -4675,41 +4673,6 @@
           </a:fontRef>
         </p:style>
       </p:cxnSp>
-      <p:sp>
-        <p:nvSpPr>
-          <p:cNvPr id="9" name="TextBox 8">
-            <a:extLst>
-              <a:ext uri="{FF2B5EF4-FFF2-40B4-BE49-F238E27FC236}">
-                <a16:creationId xmlns:a16="http://schemas.microsoft.com/office/drawing/2014/main" id="{B112D299-4F14-CC08-E9C7-71FB470DFC98}"/>
-              </a:ext>
-            </a:extLst>
-          </p:cNvPr>
-          <p:cNvSpPr txBox="1"/>
-          <p:nvPr/>
-        </p:nvSpPr>
-        <p:spPr>
-          <a:xfrm>
-            <a:off x="794657" y="296847"/>
-            <a:ext cx="10602686" cy="400110"/>
-          </a:xfrm>
-          <a:prstGeom prst="rect">
-            <a:avLst/>
-          </a:prstGeom>
-          <a:noFill/>
-        </p:spPr>
-        <p:txBody>
-          <a:bodyPr wrap="square" rtlCol="0">
-            <a:spAutoFit/>
-          </a:bodyPr>
-          <a:lstStyle/>
-          <a:p>
-            <a:r>
-              <a:rPr lang="ko-KR" altLang="en-US" sz="2000" dirty="0"/>
-              <a:t>제목</a:t>
-            </a:r>
-          </a:p>
-        </p:txBody>
-      </p:sp>
       <p:cxnSp>
         <p:nvCxnSpPr>
           <p:cNvPr id="10" name="직선 연결선 9">
@@ -4791,6 +4754,453 @@
           </a:p>
         </p:txBody>
       </p:sp>
+      <p:pic>
+        <p:nvPicPr>
+          <p:cNvPr id="6" name="그림 5">
+            <a:extLst>
+              <a:ext uri="{FF2B5EF4-FFF2-40B4-BE49-F238E27FC236}">
+                <a16:creationId xmlns:a16="http://schemas.microsoft.com/office/drawing/2014/main" id="{08EB6E5E-2406-3307-3C0B-4D36AE82C3ED}"/>
+              </a:ext>
+            </a:extLst>
+          </p:cNvPr>
+          <p:cNvPicPr>
+            <a:picLocks noChangeAspect="1"/>
+          </p:cNvPicPr>
+          <p:nvPr/>
+        </p:nvPicPr>
+        <p:blipFill>
+          <a:blip r:embed="rId3"/>
+          <a:stretch>
+            <a:fillRect/>
+          </a:stretch>
+        </p:blipFill>
+        <p:spPr>
+          <a:xfrm>
+            <a:off x="3204661" y="1504363"/>
+            <a:ext cx="2192963" cy="2241072"/>
+          </a:xfrm>
+          <a:prstGeom prst="rect">
+            <a:avLst/>
+          </a:prstGeom>
+        </p:spPr>
+      </p:pic>
+      <p:pic>
+        <p:nvPicPr>
+          <p:cNvPr id="11" name="그림 10">
+            <a:extLst>
+              <a:ext uri="{FF2B5EF4-FFF2-40B4-BE49-F238E27FC236}">
+                <a16:creationId xmlns:a16="http://schemas.microsoft.com/office/drawing/2014/main" id="{28CD9A7C-6285-B93C-4B0C-5FF3CD53560E}"/>
+              </a:ext>
+            </a:extLst>
+          </p:cNvPr>
+          <p:cNvPicPr>
+            <a:picLocks noChangeAspect="1"/>
+          </p:cNvPicPr>
+          <p:nvPr/>
+        </p:nvPicPr>
+        <p:blipFill rotWithShape="1">
+          <a:blip r:embed="rId4"/>
+          <a:srcRect l="7392" t="31273" r="5293" b="7158"/>
+          <a:stretch/>
+        </p:blipFill>
+        <p:spPr>
+          <a:xfrm rot="19832965">
+            <a:off x="8813556" y="1816899"/>
+            <a:ext cx="3250552" cy="1374529"/>
+          </a:xfrm>
+          <a:prstGeom prst="rect">
+            <a:avLst/>
+          </a:prstGeom>
+        </p:spPr>
+      </p:pic>
+      <p:pic>
+        <p:nvPicPr>
+          <p:cNvPr id="14" name="그림 13">
+            <a:extLst>
+              <a:ext uri="{FF2B5EF4-FFF2-40B4-BE49-F238E27FC236}">
+                <a16:creationId xmlns:a16="http://schemas.microsoft.com/office/drawing/2014/main" id="{78399962-D78D-777D-0AC5-817673BBA032}"/>
+              </a:ext>
+            </a:extLst>
+          </p:cNvPr>
+          <p:cNvPicPr>
+            <a:picLocks noChangeAspect="1"/>
+          </p:cNvPicPr>
+          <p:nvPr/>
+        </p:nvPicPr>
+        <p:blipFill rotWithShape="1">
+          <a:blip r:embed="rId5"/>
+          <a:srcRect l="10820" t="11267" r="4680" b="8807"/>
+          <a:stretch/>
+        </p:blipFill>
+        <p:spPr>
+          <a:xfrm>
+            <a:off x="5921406" y="1438183"/>
+            <a:ext cx="2911876" cy="1988599"/>
+          </a:xfrm>
+          <a:prstGeom prst="rect">
+            <a:avLst/>
+          </a:prstGeom>
+        </p:spPr>
+      </p:pic>
+      <p:sp>
+        <p:nvSpPr>
+          <p:cNvPr id="18" name="TextBox 17">
+            <a:extLst>
+              <a:ext uri="{FF2B5EF4-FFF2-40B4-BE49-F238E27FC236}">
+                <a16:creationId xmlns:a16="http://schemas.microsoft.com/office/drawing/2014/main" id="{C0910020-6F5B-82E6-B437-3869911CEDBE}"/>
+              </a:ext>
+            </a:extLst>
+          </p:cNvPr>
+          <p:cNvSpPr txBox="1"/>
+          <p:nvPr/>
+        </p:nvSpPr>
+        <p:spPr>
+          <a:xfrm>
+            <a:off x="656208" y="3881819"/>
+            <a:ext cx="1607598" cy="707886"/>
+          </a:xfrm>
+          <a:prstGeom prst="rect">
+            <a:avLst/>
+          </a:prstGeom>
+          <a:noFill/>
+        </p:spPr>
+        <p:txBody>
+          <a:bodyPr wrap="square" rtlCol="0">
+            <a:spAutoFit/>
+          </a:bodyPr>
+          <a:lstStyle/>
+          <a:p>
+            <a:r>
+              <a:rPr lang="en-US" altLang="ko-KR" sz="2000" b="1" dirty="0">
+                <a:latin typeface="08서울남산체 EB" panose="02020603020101020101" pitchFamily="18" charset="-127"/>
+                <a:ea typeface="08서울남산체 EB" panose="02020603020101020101" pitchFamily="18" charset="-127"/>
+              </a:rPr>
+              <a:t>5V </a:t>
+            </a:r>
+            <a:r>
+              <a:rPr lang="ko-KR" altLang="en-US" sz="2000" b="1" dirty="0">
+                <a:latin typeface="08서울남산체 EB" panose="02020603020101020101" pitchFamily="18" charset="-127"/>
+                <a:ea typeface="08서울남산체 EB" panose="02020603020101020101" pitchFamily="18" charset="-127"/>
+              </a:rPr>
+              <a:t>배터리 </a:t>
+            </a:r>
+            <a:endParaRPr lang="en-US" altLang="ko-KR" sz="2000" b="1" dirty="0">
+              <a:latin typeface="08서울남산체 EB" panose="02020603020101020101" pitchFamily="18" charset="-127"/>
+              <a:ea typeface="08서울남산체 EB" panose="02020603020101020101" pitchFamily="18" charset="-127"/>
+            </a:endParaRPr>
+          </a:p>
+          <a:p>
+            <a:r>
+              <a:rPr lang="ko-KR" altLang="en-US" sz="2000" dirty="0"/>
+              <a:t> </a:t>
+            </a:r>
+          </a:p>
+        </p:txBody>
+      </p:sp>
+      <p:sp>
+        <p:nvSpPr>
+          <p:cNvPr id="19" name="TextBox 18">
+            <a:extLst>
+              <a:ext uri="{FF2B5EF4-FFF2-40B4-BE49-F238E27FC236}">
+                <a16:creationId xmlns:a16="http://schemas.microsoft.com/office/drawing/2014/main" id="{FE7B4068-60C6-E727-8E12-81FC815CC174}"/>
+              </a:ext>
+            </a:extLst>
+          </p:cNvPr>
+          <p:cNvSpPr txBox="1"/>
+          <p:nvPr/>
+        </p:nvSpPr>
+        <p:spPr>
+          <a:xfrm>
+            <a:off x="6605729" y="3856666"/>
+            <a:ext cx="1607598" cy="707886"/>
+          </a:xfrm>
+          <a:prstGeom prst="rect">
+            <a:avLst/>
+          </a:prstGeom>
+          <a:noFill/>
+        </p:spPr>
+        <p:txBody>
+          <a:bodyPr wrap="square" rtlCol="0">
+            <a:spAutoFit/>
+          </a:bodyPr>
+          <a:lstStyle/>
+          <a:p>
+            <a:r>
+              <a:rPr lang="ko-KR" altLang="en-US" sz="2000" b="1" dirty="0">
+                <a:latin typeface="08서울남산체 EB" panose="02020603020101020101" pitchFamily="18" charset="-127"/>
+                <a:ea typeface="08서울남산체 EB" panose="02020603020101020101" pitchFamily="18" charset="-127"/>
+              </a:rPr>
+              <a:t>고성능 </a:t>
+            </a:r>
+            <a:r>
+              <a:rPr lang="en-US" altLang="ko-KR" sz="2000" b="1" dirty="0">
+                <a:latin typeface="08서울남산체 EB" panose="02020603020101020101" pitchFamily="18" charset="-127"/>
+                <a:ea typeface="08서울남산체 EB" panose="02020603020101020101" pitchFamily="18" charset="-127"/>
+              </a:rPr>
+              <a:t>GPS</a:t>
+            </a:r>
+          </a:p>
+          <a:p>
+            <a:r>
+              <a:rPr lang="ko-KR" altLang="en-US" sz="2000" dirty="0"/>
+              <a:t> </a:t>
+            </a:r>
+          </a:p>
+        </p:txBody>
+      </p:sp>
+      <p:sp>
+        <p:nvSpPr>
+          <p:cNvPr id="20" name="TextBox 19">
+            <a:extLst>
+              <a:ext uri="{FF2B5EF4-FFF2-40B4-BE49-F238E27FC236}">
+                <a16:creationId xmlns:a16="http://schemas.microsoft.com/office/drawing/2014/main" id="{85DC9FC2-A25D-BF96-CD61-3536F7F79A1A}"/>
+              </a:ext>
+            </a:extLst>
+          </p:cNvPr>
+          <p:cNvSpPr txBox="1"/>
+          <p:nvPr/>
+        </p:nvSpPr>
+        <p:spPr>
+          <a:xfrm>
+            <a:off x="9714389" y="3831511"/>
+            <a:ext cx="2163933" cy="400110"/>
+          </a:xfrm>
+          <a:prstGeom prst="rect">
+            <a:avLst/>
+          </a:prstGeom>
+          <a:noFill/>
+        </p:spPr>
+        <p:txBody>
+          <a:bodyPr wrap="square" rtlCol="0">
+            <a:spAutoFit/>
+          </a:bodyPr>
+          <a:lstStyle/>
+          <a:p>
+            <a:r>
+              <a:rPr lang="ko-KR" altLang="en-US" sz="2000" b="1" dirty="0" err="1">
+                <a:latin typeface="08서울남산체 EB" panose="02020603020101020101" pitchFamily="18" charset="-127"/>
+                <a:ea typeface="08서울남산체 EB" panose="02020603020101020101" pitchFamily="18" charset="-127"/>
+              </a:rPr>
+              <a:t>아두이노</a:t>
+            </a:r>
+            <a:r>
+              <a:rPr lang="ko-KR" altLang="en-US" sz="2000" b="1" dirty="0">
+                <a:latin typeface="08서울남산체 EB" panose="02020603020101020101" pitchFamily="18" charset="-127"/>
+                <a:ea typeface="08서울남산체 EB" panose="02020603020101020101" pitchFamily="18" charset="-127"/>
+              </a:rPr>
+              <a:t> 마이크로 </a:t>
+            </a:r>
+            <a:endParaRPr lang="en-US" altLang="ko-KR" sz="2000" b="1" dirty="0">
+              <a:latin typeface="08서울남산체 EB" panose="02020603020101020101" pitchFamily="18" charset="-127"/>
+              <a:ea typeface="08서울남산체 EB" panose="02020603020101020101" pitchFamily="18" charset="-127"/>
+            </a:endParaRPr>
+          </a:p>
+        </p:txBody>
+      </p:sp>
+      <p:sp>
+        <p:nvSpPr>
+          <p:cNvPr id="21" name="TextBox 20">
+            <a:extLst>
+              <a:ext uri="{FF2B5EF4-FFF2-40B4-BE49-F238E27FC236}">
+                <a16:creationId xmlns:a16="http://schemas.microsoft.com/office/drawing/2014/main" id="{0EFC983E-1E45-1C41-177C-3647C2963980}"/>
+              </a:ext>
+            </a:extLst>
+          </p:cNvPr>
+          <p:cNvSpPr txBox="1"/>
+          <p:nvPr/>
+        </p:nvSpPr>
+        <p:spPr>
+          <a:xfrm>
+            <a:off x="4048956" y="3883299"/>
+            <a:ext cx="1607598" cy="400110"/>
+          </a:xfrm>
+          <a:prstGeom prst="rect">
+            <a:avLst/>
+          </a:prstGeom>
+          <a:noFill/>
+        </p:spPr>
+        <p:txBody>
+          <a:bodyPr wrap="square" rtlCol="0">
+            <a:spAutoFit/>
+          </a:bodyPr>
+          <a:lstStyle/>
+          <a:p>
+            <a:r>
+              <a:rPr lang="en-US" altLang="ko-KR" sz="2000" b="1" dirty="0">
+                <a:latin typeface="08서울남산체 EB" panose="02020603020101020101" pitchFamily="18" charset="-127"/>
+                <a:ea typeface="08서울남산체 EB" panose="02020603020101020101" pitchFamily="18" charset="-127"/>
+              </a:rPr>
+              <a:t>BMS</a:t>
+            </a:r>
+            <a:r>
+              <a:rPr lang="ko-KR" altLang="en-US" sz="2000" dirty="0"/>
+              <a:t> </a:t>
+            </a:r>
+          </a:p>
+        </p:txBody>
+      </p:sp>
+      <p:sp>
+        <p:nvSpPr>
+          <p:cNvPr id="22" name="TextBox 21">
+            <a:extLst>
+              <a:ext uri="{FF2B5EF4-FFF2-40B4-BE49-F238E27FC236}">
+                <a16:creationId xmlns:a16="http://schemas.microsoft.com/office/drawing/2014/main" id="{118FFA46-2BC2-4976-CF57-851ABAC1947B}"/>
+              </a:ext>
+            </a:extLst>
+          </p:cNvPr>
+          <p:cNvSpPr txBox="1"/>
+          <p:nvPr/>
+        </p:nvSpPr>
+        <p:spPr>
+          <a:xfrm>
+            <a:off x="2814961" y="5587811"/>
+            <a:ext cx="3585840" cy="707886"/>
+          </a:xfrm>
+          <a:prstGeom prst="rect">
+            <a:avLst/>
+          </a:prstGeom>
+          <a:noFill/>
+        </p:spPr>
+        <p:txBody>
+          <a:bodyPr wrap="square" rtlCol="0">
+            <a:spAutoFit/>
+          </a:bodyPr>
+          <a:lstStyle/>
+          <a:p>
+            <a:r>
+              <a:rPr lang="ko-KR" altLang="en-US" sz="2000" b="1" dirty="0">
+                <a:latin typeface="08서울남산체 EB" panose="02020603020101020101" pitchFamily="18" charset="-127"/>
+                <a:ea typeface="08서울남산체 EB" panose="02020603020101020101" pitchFamily="18" charset="-127"/>
+              </a:rPr>
+              <a:t>전자파</a:t>
+            </a:r>
+            <a:r>
+              <a:rPr lang="en-US" altLang="ko-KR" sz="2000" b="1" dirty="0">
+                <a:latin typeface="08서울남산체 EB" panose="02020603020101020101" pitchFamily="18" charset="-127"/>
+                <a:ea typeface="08서울남산체 EB" panose="02020603020101020101" pitchFamily="18" charset="-127"/>
+              </a:rPr>
+              <a:t>.</a:t>
+            </a:r>
+            <a:r>
+              <a:rPr lang="ko-KR" altLang="en-US" sz="2000" b="1" dirty="0">
+                <a:latin typeface="08서울남산체 EB" panose="02020603020101020101" pitchFamily="18" charset="-127"/>
+                <a:ea typeface="08서울남산체 EB" panose="02020603020101020101" pitchFamily="18" charset="-127"/>
+              </a:rPr>
+              <a:t>고주파 차단 하드웨어</a:t>
+            </a:r>
+            <a:endParaRPr lang="en-US" altLang="ko-KR" sz="2000" b="1" dirty="0">
+              <a:latin typeface="08서울남산체 EB" panose="02020603020101020101" pitchFamily="18" charset="-127"/>
+              <a:ea typeface="08서울남산체 EB" panose="02020603020101020101" pitchFamily="18" charset="-127"/>
+            </a:endParaRPr>
+          </a:p>
+          <a:p>
+            <a:r>
+              <a:rPr lang="ko-KR" altLang="en-US" sz="2000" dirty="0"/>
+              <a:t> </a:t>
+            </a:r>
+          </a:p>
+        </p:txBody>
+      </p:sp>
+      <p:sp>
+        <p:nvSpPr>
+          <p:cNvPr id="23" name="TextBox 22">
+            <a:extLst>
+              <a:ext uri="{FF2B5EF4-FFF2-40B4-BE49-F238E27FC236}">
+                <a16:creationId xmlns:a16="http://schemas.microsoft.com/office/drawing/2014/main" id="{80E7CD31-3F31-F30E-189B-43AE2E27EED2}"/>
+              </a:ext>
+            </a:extLst>
+          </p:cNvPr>
+          <p:cNvSpPr txBox="1"/>
+          <p:nvPr/>
+        </p:nvSpPr>
+        <p:spPr>
+          <a:xfrm>
+            <a:off x="8984942" y="5570056"/>
+            <a:ext cx="2547151" cy="1015663"/>
+          </a:xfrm>
+          <a:prstGeom prst="rect">
+            <a:avLst/>
+          </a:prstGeom>
+          <a:noFill/>
+        </p:spPr>
+        <p:txBody>
+          <a:bodyPr wrap="square" rtlCol="0">
+            <a:spAutoFit/>
+          </a:bodyPr>
+          <a:lstStyle/>
+          <a:p>
+            <a:r>
+              <a:rPr lang="en-US" altLang="ko-KR" sz="4000" b="1" dirty="0">
+                <a:solidFill>
+                  <a:srgbClr val="FF0000"/>
+                </a:solidFill>
+                <a:latin typeface="08서울남산체 EB" panose="02020603020101020101" pitchFamily="18" charset="-127"/>
+                <a:ea typeface="08서울남산체 EB" panose="02020603020101020101" pitchFamily="18" charset="-127"/>
+              </a:rPr>
+              <a:t>300,000</a:t>
+            </a:r>
+            <a:r>
+              <a:rPr lang="ko-KR" altLang="en-US" sz="4000" b="1" dirty="0">
+                <a:solidFill>
+                  <a:srgbClr val="FF0000"/>
+                </a:solidFill>
+                <a:latin typeface="08서울남산체 EB" panose="02020603020101020101" pitchFamily="18" charset="-127"/>
+                <a:ea typeface="08서울남산체 EB" panose="02020603020101020101" pitchFamily="18" charset="-127"/>
+              </a:rPr>
+              <a:t>원</a:t>
+            </a:r>
+            <a:endParaRPr lang="en-US" altLang="ko-KR" sz="4000" b="1" dirty="0">
+              <a:solidFill>
+                <a:srgbClr val="FF0000"/>
+              </a:solidFill>
+              <a:latin typeface="08서울남산체 EB" panose="02020603020101020101" pitchFamily="18" charset="-127"/>
+              <a:ea typeface="08서울남산체 EB" panose="02020603020101020101" pitchFamily="18" charset="-127"/>
+            </a:endParaRPr>
+          </a:p>
+          <a:p>
+            <a:r>
+              <a:rPr lang="ko-KR" altLang="en-US" sz="2000" dirty="0"/>
+              <a:t> </a:t>
+            </a:r>
+          </a:p>
+        </p:txBody>
+      </p:sp>
+      <p:pic>
+        <p:nvPicPr>
+          <p:cNvPr id="25" name="그림 24">
+            <a:extLst>
+              <a:ext uri="{FF2B5EF4-FFF2-40B4-BE49-F238E27FC236}">
+                <a16:creationId xmlns:a16="http://schemas.microsoft.com/office/drawing/2014/main" id="{1A89B693-8DF3-8CC2-5B1C-888FC733306C}"/>
+              </a:ext>
+            </a:extLst>
+          </p:cNvPr>
+          <p:cNvPicPr>
+            <a:picLocks noChangeAspect="1"/>
+          </p:cNvPicPr>
+          <p:nvPr/>
+        </p:nvPicPr>
+        <p:blipFill>
+          <a:blip r:embed="rId6">
+            <a:extLst>
+              <a:ext uri="{28A0092B-C50C-407E-A947-70E740481C1C}">
+                <a14:useLocalDpi xmlns:a14="http://schemas.microsoft.com/office/drawing/2010/main" val="0"/>
+              </a:ext>
+            </a:extLst>
+          </a:blip>
+          <a:stretch>
+            <a:fillRect/>
+          </a:stretch>
+        </p:blipFill>
+        <p:spPr>
+          <a:xfrm>
+            <a:off x="1468515" y="4598634"/>
+            <a:ext cx="1641968" cy="1641968"/>
+          </a:xfrm>
+          <a:prstGeom prst="rect">
+            <a:avLst/>
+          </a:prstGeom>
+        </p:spPr>
+      </p:pic>
     </p:spTree>
     <p:extLst>
       <p:ext uri="{BB962C8B-B14F-4D97-AF65-F5344CB8AC3E}">
